--- a/presentation/draft_content.pptx
+++ b/presentation/draft_content.pptx
@@ -106,6 +106,11 @@
       </a:defRPr>
     </a:lvl9pPr>
   </p:defaultTextStyle>
+  <p:extLst>
+    <p:ext uri="{EFAFB233-063F-42B5-8137-9DF3F51BA10A}">
+      <p15:sldGuideLst xmlns:p15="http://schemas.microsoft.com/office/powerpoint/2012/main"/>
+    </p:ext>
+  </p:extLst>
 </p:presentation>
 </file>
 

--- a/presentation/draft_content.pptx
+++ b/presentation/draft_content.pptx
@@ -3826,7 +3826,19 @@
             </a:pPr>
             <a:r>
               <a:rPr lang="de-DE" dirty="0" err="1"/>
-              <a:t>Difference</a:t>
+              <a:t>Identification</a:t>
+            </a:r>
+            <a:r>
+              <a:rPr lang="de-DE" dirty="0"/>
+              <a:t> </a:t>
+            </a:r>
+            <a:r>
+              <a:rPr lang="de-DE" dirty="0" err="1"/>
+              <a:t>Strategy</a:t>
+            </a:r>
+            <a:r>
+              <a:rPr lang="de-DE"/>
+              <a:t>: Difference</a:t>
             </a:r>
             <a:r>
               <a:rPr lang="de-DE" dirty="0"/>
